--- a/cool-python-features-you-probably-shouldnt-use/CoolPythonFeaturesYouShouldn'tUse.pptx
+++ b/cool-python-features-you-probably-shouldnt-use/CoolPythonFeaturesYouShouldn'tUse.pptx
@@ -19,8 +19,9 @@
     <p:sldId id="268" r:id="rId13"/>
     <p:sldId id="269" r:id="rId14"/>
     <p:sldId id="270" r:id="rId15"/>
-    <p:sldId id="271" r:id="rId16"/>
-    <p:sldId id="272" r:id="rId17"/>
+    <p:sldId id="273" r:id="rId16"/>
+    <p:sldId id="271" r:id="rId17"/>
+    <p:sldId id="272" r:id="rId18"/>
   </p:sldIdLst>
   <p:sldSz cx="9144000" cy="6858000" type="screen4x3"/>
   <p:notesSz cx="6858000" cy="9144000"/>
@@ -303,7 +304,7 @@
           <a:p>
             <a:fld id="{6BFECD78-3C8E-49F2-8FAB-59489D168ABB}" type="datetimeFigureOut">
               <a:rPr lang="en-US" smtClean="0"/>
-              <a:t>2015-06-23</a:t>
+              <a:t>2015-06-24</a:t>
             </a:fld>
             <a:endParaRPr lang="en-US"/>
           </a:p>
@@ -473,7 +474,7 @@
           <a:p>
             <a:fld id="{6BFECD78-3C8E-49F2-8FAB-59489D168ABB}" type="datetimeFigureOut">
               <a:rPr lang="en-US" smtClean="0"/>
-              <a:t>2015-06-23</a:t>
+              <a:t>2015-06-24</a:t>
             </a:fld>
             <a:endParaRPr lang="en-US"/>
           </a:p>
@@ -653,7 +654,7 @@
           <a:p>
             <a:fld id="{6BFECD78-3C8E-49F2-8FAB-59489D168ABB}" type="datetimeFigureOut">
               <a:rPr lang="en-US" smtClean="0"/>
-              <a:t>2015-06-23</a:t>
+              <a:t>2015-06-24</a:t>
             </a:fld>
             <a:endParaRPr lang="en-US"/>
           </a:p>
@@ -823,7 +824,7 @@
           <a:p>
             <a:fld id="{6BFECD78-3C8E-49F2-8FAB-59489D168ABB}" type="datetimeFigureOut">
               <a:rPr lang="en-US" smtClean="0"/>
-              <a:t>2015-06-23</a:t>
+              <a:t>2015-06-24</a:t>
             </a:fld>
             <a:endParaRPr lang="en-US"/>
           </a:p>
@@ -1069,7 +1070,7 @@
           <a:p>
             <a:fld id="{6BFECD78-3C8E-49F2-8FAB-59489D168ABB}" type="datetimeFigureOut">
               <a:rPr lang="en-US" smtClean="0"/>
-              <a:t>2015-06-23</a:t>
+              <a:t>2015-06-24</a:t>
             </a:fld>
             <a:endParaRPr lang="en-US"/>
           </a:p>
@@ -1357,7 +1358,7 @@
           <a:p>
             <a:fld id="{6BFECD78-3C8E-49F2-8FAB-59489D168ABB}" type="datetimeFigureOut">
               <a:rPr lang="en-US" smtClean="0"/>
-              <a:t>2015-06-23</a:t>
+              <a:t>2015-06-24</a:t>
             </a:fld>
             <a:endParaRPr lang="en-US"/>
           </a:p>
@@ -1779,7 +1780,7 @@
           <a:p>
             <a:fld id="{6BFECD78-3C8E-49F2-8FAB-59489D168ABB}" type="datetimeFigureOut">
               <a:rPr lang="en-US" smtClean="0"/>
-              <a:t>2015-06-23</a:t>
+              <a:t>2015-06-24</a:t>
             </a:fld>
             <a:endParaRPr lang="en-US"/>
           </a:p>
@@ -1897,7 +1898,7 @@
           <a:p>
             <a:fld id="{6BFECD78-3C8E-49F2-8FAB-59489D168ABB}" type="datetimeFigureOut">
               <a:rPr lang="en-US" smtClean="0"/>
-              <a:t>2015-06-23</a:t>
+              <a:t>2015-06-24</a:t>
             </a:fld>
             <a:endParaRPr lang="en-US"/>
           </a:p>
@@ -1992,7 +1993,7 @@
           <a:p>
             <a:fld id="{6BFECD78-3C8E-49F2-8FAB-59489D168ABB}" type="datetimeFigureOut">
               <a:rPr lang="en-US" smtClean="0"/>
-              <a:t>2015-06-23</a:t>
+              <a:t>2015-06-24</a:t>
             </a:fld>
             <a:endParaRPr lang="en-US"/>
           </a:p>
@@ -2269,7 +2270,7 @@
           <a:p>
             <a:fld id="{6BFECD78-3C8E-49F2-8FAB-59489D168ABB}" type="datetimeFigureOut">
               <a:rPr lang="en-US" smtClean="0"/>
-              <a:t>2015-06-23</a:t>
+              <a:t>2015-06-24</a:t>
             </a:fld>
             <a:endParaRPr lang="en-US"/>
           </a:p>
@@ -2526,7 +2527,7 @@
           <a:p>
             <a:fld id="{6BFECD78-3C8E-49F2-8FAB-59489D168ABB}" type="datetimeFigureOut">
               <a:rPr lang="en-US" smtClean="0"/>
-              <a:t>2015-06-23</a:t>
+              <a:t>2015-06-24</a:t>
             </a:fld>
             <a:endParaRPr lang="en-US"/>
           </a:p>
@@ -2739,7 +2740,7 @@
           <a:p>
             <a:fld id="{6BFECD78-3C8E-49F2-8FAB-59489D168ABB}" type="datetimeFigureOut">
               <a:rPr lang="en-US" smtClean="0"/>
-              <a:t>2015-06-23</a:t>
+              <a:t>2015-06-24</a:t>
             </a:fld>
             <a:endParaRPr lang="en-US"/>
           </a:p>
@@ -5452,6 +5453,14 @@
           <a:bodyPr/>
           <a:lstStyle/>
           <a:p>
+            <a:r>
+              <a:rPr lang="en-US" dirty="0" err="1" smtClean="0"/>
+              <a:t>eval</a:t>
+            </a:r>
+            <a:r>
+              <a:rPr lang="en-US" dirty="0" smtClean="0"/>
+              <a:t>/exec</a:t>
+            </a:r>
             <a:endParaRPr lang="en-US" dirty="0"/>
           </a:p>
         </p:txBody>
@@ -5471,30 +5480,118 @@
           <a:bodyPr/>
           <a:lstStyle/>
           <a:p>
-            <a:r>
-              <a:rPr lang="en-US" dirty="0" err="1"/>
-              <a:t>e</a:t>
-            </a:r>
-            <a:r>
-              <a:rPr lang="en-US" dirty="0" err="1" smtClean="0"/>
-              <a:t>val</a:t>
-            </a:r>
-            <a:r>
-              <a:rPr lang="en-US" dirty="0" smtClean="0"/>
-              <a:t>/exec</a:t>
-            </a:r>
-          </a:p>
-          <a:p>
-            <a:r>
-              <a:rPr lang="en-US" dirty="0"/>
-              <a:t>m</a:t>
-            </a:r>
-            <a:r>
-              <a:rPr lang="en-US" dirty="0" smtClean="0"/>
-              <a:t>onkey patching</a:t>
-            </a:r>
-          </a:p>
-          <a:p>
+            <a:pPr marL="0" indent="0">
+              <a:spcAft>
+                <a:spcPts val="0"/>
+              </a:spcAft>
+              <a:buNone/>
+              <a:tabLst>
+                <a:tab pos="355600" algn="l"/>
+                <a:tab pos="711200" algn="l"/>
+                <a:tab pos="1066800" algn="l"/>
+                <a:tab pos="1422400" algn="l"/>
+                <a:tab pos="1778000" algn="l"/>
+                <a:tab pos="2133600" algn="l"/>
+                <a:tab pos="2489200" algn="l"/>
+                <a:tab pos="2844800" algn="l"/>
+                <a:tab pos="3200400" algn="l"/>
+                <a:tab pos="3556000" algn="l"/>
+                <a:tab pos="3911600" algn="l"/>
+                <a:tab pos="4267200" algn="l"/>
+              </a:tabLst>
+            </a:pPr>
+            <a:r>
+              <a:rPr lang="en-US" sz="2400" dirty="0" err="1">
+                <a:solidFill>
+                  <a:srgbClr val="F2F2F2"/>
+                </a:solidFill>
+                <a:latin typeface="Monaco"/>
+                <a:ea typeface="ＭＳ 明朝"/>
+                <a:cs typeface="Monaco"/>
+              </a:rPr>
+              <a:t>json_loads</a:t>
+            </a:r>
+            <a:r>
+              <a:rPr lang="en-US" sz="2400" dirty="0">
+                <a:solidFill>
+                  <a:srgbClr val="F2F2F2"/>
+                </a:solidFill>
+                <a:latin typeface="Monaco"/>
+                <a:ea typeface="ＭＳ 明朝"/>
+                <a:cs typeface="Monaco"/>
+              </a:rPr>
+              <a:t> = </a:t>
+            </a:r>
+            <a:r>
+              <a:rPr lang="en-US" sz="2400" dirty="0">
+                <a:solidFill>
+                  <a:srgbClr val="C1651C"/>
+                </a:solidFill>
+                <a:latin typeface="Monaco"/>
+                <a:ea typeface="ＭＳ 明朝"/>
+                <a:cs typeface="Monaco"/>
+              </a:rPr>
+              <a:t>lambda</a:t>
+            </a:r>
+            <a:r>
+              <a:rPr lang="en-US" sz="2400" dirty="0">
+                <a:solidFill>
+                  <a:srgbClr val="F2F2F2"/>
+                </a:solidFill>
+                <a:latin typeface="Monaco"/>
+                <a:ea typeface="ＭＳ 明朝"/>
+                <a:cs typeface="Monaco"/>
+              </a:rPr>
+              <a:t> value: </a:t>
+            </a:r>
+            <a:r>
+              <a:rPr lang="en-US" sz="2400" dirty="0" err="1">
+                <a:solidFill>
+                  <a:srgbClr val="2EAEBB"/>
+                </a:solidFill>
+                <a:latin typeface="Monaco"/>
+                <a:ea typeface="ＭＳ 明朝"/>
+                <a:cs typeface="Monaco"/>
+              </a:rPr>
+              <a:t>eval</a:t>
+            </a:r>
+            <a:r>
+              <a:rPr lang="en-US" sz="2400" dirty="0">
+                <a:solidFill>
+                  <a:srgbClr val="F2F2F2"/>
+                </a:solidFill>
+                <a:latin typeface="Monaco"/>
+                <a:ea typeface="ＭＳ 明朝"/>
+                <a:cs typeface="Monaco"/>
+              </a:rPr>
+              <a:t>(value)</a:t>
+            </a:r>
+            <a:endParaRPr lang="en-US" sz="2400" dirty="0">
+              <a:latin typeface="Cambria"/>
+              <a:ea typeface="ＭＳ 明朝"/>
+              <a:cs typeface="Times New Roman"/>
+            </a:endParaRPr>
+          </a:p>
+          <a:p>
+            <a:pPr marL="0" indent="0">
+              <a:spcAft>
+                <a:spcPts val="0"/>
+              </a:spcAft>
+              <a:buNone/>
+            </a:pPr>
+            <a:endParaRPr lang="en-US" sz="4400" dirty="0">
+              <a:latin typeface="Cambria"/>
+              <a:ea typeface="ＭＳ 明朝"/>
+              <a:cs typeface="Times New Roman"/>
+            </a:endParaRPr>
+          </a:p>
+          <a:p>
+            <a:pPr marL="0" indent="0">
+              <a:spcAft>
+                <a:spcPts val="0"/>
+              </a:spcAft>
+              <a:buNone/>
+            </a:pPr>
             <a:endParaRPr lang="en-US" dirty="0"/>
           </a:p>
         </p:txBody>
@@ -5543,6 +5640,424 @@
             <a:spLocks noGrp="1"/>
           </p:cNvSpPr>
           <p:nvPr>
+            <p:ph type="title"/>
+          </p:nvPr>
+        </p:nvSpPr>
+        <p:spPr/>
+        <p:txBody>
+          <a:bodyPr/>
+          <a:lstStyle/>
+          <a:p>
+            <a:r>
+              <a:rPr lang="en-US" dirty="0" smtClean="0"/>
+              <a:t>Monkey patching</a:t>
+            </a:r>
+            <a:endParaRPr lang="en-US" dirty="0"/>
+          </a:p>
+        </p:txBody>
+      </p:sp>
+      <p:sp>
+        <p:nvSpPr>
+          <p:cNvPr id="3" name="Content Placeholder 2"/>
+          <p:cNvSpPr>
+            <a:spLocks noGrp="1"/>
+          </p:cNvSpPr>
+          <p:nvPr>
+            <p:ph idx="1"/>
+          </p:nvPr>
+        </p:nvSpPr>
+        <p:spPr/>
+        <p:txBody>
+          <a:bodyPr/>
+          <a:lstStyle/>
+          <a:p>
+            <a:pPr marL="0" indent="0">
+              <a:spcAft>
+                <a:spcPts val="0"/>
+              </a:spcAft>
+              <a:buNone/>
+              <a:tabLst>
+                <a:tab pos="355600" algn="l"/>
+                <a:tab pos="711200" algn="l"/>
+                <a:tab pos="1066800" algn="l"/>
+                <a:tab pos="1422400" algn="l"/>
+                <a:tab pos="1778000" algn="l"/>
+                <a:tab pos="2133600" algn="l"/>
+                <a:tab pos="2489200" algn="l"/>
+                <a:tab pos="2844800" algn="l"/>
+                <a:tab pos="3200400" algn="l"/>
+                <a:tab pos="3556000" algn="l"/>
+                <a:tab pos="3911600" algn="l"/>
+                <a:tab pos="4267200" algn="l"/>
+              </a:tabLst>
+            </a:pPr>
+            <a:r>
+              <a:rPr lang="en-US" sz="2400" dirty="0">
+                <a:solidFill>
+                  <a:srgbClr val="400BD9"/>
+                </a:solidFill>
+                <a:latin typeface="Monaco"/>
+                <a:ea typeface="ＭＳ 明朝"/>
+                <a:cs typeface="Monaco"/>
+              </a:rPr>
+              <a:t>In [1]: </a:t>
+            </a:r>
+            <a:r>
+              <a:rPr lang="en-US" sz="2400" dirty="0">
+                <a:solidFill>
+                  <a:srgbClr val="F2F2F2"/>
+                </a:solidFill>
+                <a:latin typeface="Monaco"/>
+                <a:ea typeface="ＭＳ 明朝"/>
+                <a:cs typeface="Monaco"/>
+              </a:rPr>
+              <a:t>True, False = False, True</a:t>
+            </a:r>
+            <a:endParaRPr lang="en-US" sz="3600" dirty="0">
+              <a:latin typeface="Cambria"/>
+              <a:ea typeface="ＭＳ 明朝"/>
+              <a:cs typeface="Times New Roman"/>
+            </a:endParaRPr>
+          </a:p>
+          <a:p>
+            <a:pPr marL="0" indent="0">
+              <a:spcAft>
+                <a:spcPts val="0"/>
+              </a:spcAft>
+              <a:buNone/>
+              <a:tabLst>
+                <a:tab pos="355600" algn="l"/>
+                <a:tab pos="711200" algn="l"/>
+                <a:tab pos="1066800" algn="l"/>
+                <a:tab pos="1422400" algn="l"/>
+                <a:tab pos="1778000" algn="l"/>
+                <a:tab pos="2133600" algn="l"/>
+                <a:tab pos="2489200" algn="l"/>
+                <a:tab pos="2844800" algn="l"/>
+                <a:tab pos="3200400" algn="l"/>
+                <a:tab pos="3556000" algn="l"/>
+                <a:tab pos="3911600" algn="l"/>
+                <a:tab pos="4267200" algn="l"/>
+              </a:tabLst>
+            </a:pPr>
+            <a:r>
+              <a:rPr lang="en-US" sz="2400" dirty="0">
+                <a:solidFill>
+                  <a:srgbClr val="F2F2F2"/>
+                </a:solidFill>
+                <a:latin typeface="Monaco"/>
+                <a:ea typeface="ＭＳ 明朝"/>
+                <a:cs typeface="Monaco"/>
+              </a:rPr>
+              <a:t> </a:t>
+            </a:r>
+            <a:endParaRPr lang="en-US" sz="3600" dirty="0">
+              <a:latin typeface="Cambria"/>
+              <a:ea typeface="ＭＳ 明朝"/>
+              <a:cs typeface="Times New Roman"/>
+            </a:endParaRPr>
+          </a:p>
+          <a:p>
+            <a:pPr marL="0" indent="0">
+              <a:spcAft>
+                <a:spcPts val="0"/>
+              </a:spcAft>
+              <a:buNone/>
+              <a:tabLst>
+                <a:tab pos="355600" algn="l"/>
+                <a:tab pos="711200" algn="l"/>
+                <a:tab pos="1066800" algn="l"/>
+                <a:tab pos="1422400" algn="l"/>
+                <a:tab pos="1778000" algn="l"/>
+                <a:tab pos="2133600" algn="l"/>
+                <a:tab pos="2489200" algn="l"/>
+                <a:tab pos="2844800" algn="l"/>
+                <a:tab pos="3200400" algn="l"/>
+                <a:tab pos="3556000" algn="l"/>
+                <a:tab pos="3911600" algn="l"/>
+                <a:tab pos="4267200" algn="l"/>
+              </a:tabLst>
+            </a:pPr>
+            <a:r>
+              <a:rPr lang="en-US" sz="2400" dirty="0">
+                <a:solidFill>
+                  <a:srgbClr val="400BD9"/>
+                </a:solidFill>
+                <a:latin typeface="Monaco"/>
+                <a:ea typeface="ＭＳ 明朝"/>
+                <a:cs typeface="Monaco"/>
+              </a:rPr>
+              <a:t>In [2]: </a:t>
+            </a:r>
+            <a:r>
+              <a:rPr lang="en-US" sz="2400" dirty="0" smtClean="0">
+                <a:solidFill>
+                  <a:srgbClr val="F2F2F2"/>
+                </a:solidFill>
+                <a:latin typeface="Monaco"/>
+                <a:ea typeface="ＭＳ 明朝"/>
+                <a:cs typeface="Monaco"/>
+              </a:rPr>
+              <a:t>True</a:t>
+            </a:r>
+            <a:endParaRPr lang="en-US" sz="3600" dirty="0" smtClean="0">
+              <a:latin typeface="Cambria"/>
+              <a:ea typeface="ＭＳ 明朝"/>
+              <a:cs typeface="Times New Roman"/>
+            </a:endParaRPr>
+          </a:p>
+          <a:p>
+            <a:pPr marL="0" indent="0">
+              <a:spcAft>
+                <a:spcPts val="0"/>
+              </a:spcAft>
+              <a:buNone/>
+              <a:tabLst>
+                <a:tab pos="355600" algn="l"/>
+                <a:tab pos="711200" algn="l"/>
+                <a:tab pos="1066800" algn="l"/>
+                <a:tab pos="1422400" algn="l"/>
+                <a:tab pos="1778000" algn="l"/>
+                <a:tab pos="2133600" algn="l"/>
+                <a:tab pos="2489200" algn="l"/>
+                <a:tab pos="2844800" algn="l"/>
+                <a:tab pos="3200400" algn="l"/>
+                <a:tab pos="3556000" algn="l"/>
+                <a:tab pos="3911600" algn="l"/>
+                <a:tab pos="4267200" algn="l"/>
+              </a:tabLst>
+            </a:pPr>
+            <a:r>
+              <a:rPr lang="en-US" sz="2400" dirty="0" smtClean="0">
+                <a:solidFill>
+                  <a:srgbClr val="B42419"/>
+                </a:solidFill>
+                <a:latin typeface="Monaco"/>
+                <a:ea typeface="ＭＳ 明朝"/>
+                <a:cs typeface="Monaco"/>
+              </a:rPr>
+              <a:t>Out[2]: </a:t>
+            </a:r>
+            <a:r>
+              <a:rPr lang="en-US" sz="2400" dirty="0" smtClean="0">
+                <a:solidFill>
+                  <a:srgbClr val="F2F2F2"/>
+                </a:solidFill>
+                <a:latin typeface="Monaco"/>
+                <a:ea typeface="ＭＳ 明朝"/>
+                <a:cs typeface="Monaco"/>
+              </a:rPr>
+              <a:t>False</a:t>
+            </a:r>
+            <a:endParaRPr lang="en-US" sz="3600" dirty="0" smtClean="0">
+              <a:latin typeface="Cambria"/>
+              <a:ea typeface="ＭＳ 明朝"/>
+              <a:cs typeface="Times New Roman"/>
+            </a:endParaRPr>
+          </a:p>
+          <a:p>
+            <a:pPr>
+              <a:spcAft>
+                <a:spcPts val="0"/>
+              </a:spcAft>
+              <a:tabLst>
+                <a:tab pos="355600" algn="l"/>
+                <a:tab pos="711200" algn="l"/>
+                <a:tab pos="1066800" algn="l"/>
+                <a:tab pos="1422400" algn="l"/>
+                <a:tab pos="1778000" algn="l"/>
+                <a:tab pos="2133600" algn="l"/>
+                <a:tab pos="2489200" algn="l"/>
+                <a:tab pos="2844800" algn="l"/>
+                <a:tab pos="3200400" algn="l"/>
+                <a:tab pos="3556000" algn="l"/>
+                <a:tab pos="3911600" algn="l"/>
+                <a:tab pos="4267200" algn="l"/>
+              </a:tabLst>
+            </a:pPr>
+            <a:endParaRPr lang="en-US" sz="3600" dirty="0">
+              <a:latin typeface="Cambria"/>
+              <a:ea typeface="ＭＳ 明朝"/>
+              <a:cs typeface="Times New Roman"/>
+            </a:endParaRPr>
+          </a:p>
+          <a:p>
+            <a:pPr marL="0" indent="0">
+              <a:spcAft>
+                <a:spcPts val="0"/>
+              </a:spcAft>
+              <a:buNone/>
+              <a:tabLst>
+                <a:tab pos="355600" algn="l"/>
+                <a:tab pos="711200" algn="l"/>
+                <a:tab pos="1066800" algn="l"/>
+                <a:tab pos="1422400" algn="l"/>
+                <a:tab pos="1778000" algn="l"/>
+                <a:tab pos="2133600" algn="l"/>
+                <a:tab pos="2489200" algn="l"/>
+                <a:tab pos="2844800" algn="l"/>
+                <a:tab pos="3200400" algn="l"/>
+                <a:tab pos="3556000" algn="l"/>
+                <a:tab pos="3911600" algn="l"/>
+                <a:tab pos="4267200" algn="l"/>
+              </a:tabLst>
+            </a:pPr>
+            <a:r>
+              <a:rPr lang="en-US" sz="2400" dirty="0" smtClean="0">
+                <a:solidFill>
+                  <a:srgbClr val="400BD9"/>
+                </a:solidFill>
+                <a:latin typeface="Monaco"/>
+                <a:ea typeface="ＭＳ 明朝"/>
+                <a:cs typeface="Monaco"/>
+              </a:rPr>
+              <a:t>In </a:t>
+            </a:r>
+            <a:r>
+              <a:rPr lang="en-US" sz="2400" dirty="0">
+                <a:solidFill>
+                  <a:srgbClr val="400BD9"/>
+                </a:solidFill>
+                <a:latin typeface="Monaco"/>
+                <a:ea typeface="ＭＳ 明朝"/>
+                <a:cs typeface="Monaco"/>
+              </a:rPr>
+              <a:t>[3]: </a:t>
+            </a:r>
+            <a:r>
+              <a:rPr lang="en-US" sz="2400" dirty="0">
+                <a:solidFill>
+                  <a:srgbClr val="F2F2F2"/>
+                </a:solidFill>
+                <a:latin typeface="Monaco"/>
+                <a:ea typeface="ＭＳ 明朝"/>
+                <a:cs typeface="Monaco"/>
+              </a:rPr>
+              <a:t>False</a:t>
+            </a:r>
+            <a:endParaRPr lang="en-US" sz="3600" dirty="0">
+              <a:latin typeface="Cambria"/>
+              <a:ea typeface="ＭＳ 明朝"/>
+              <a:cs typeface="Times New Roman"/>
+            </a:endParaRPr>
+          </a:p>
+          <a:p>
+            <a:pPr marL="0" indent="0">
+              <a:spcAft>
+                <a:spcPts val="0"/>
+              </a:spcAft>
+              <a:buNone/>
+              <a:tabLst>
+                <a:tab pos="355600" algn="l"/>
+                <a:tab pos="711200" algn="l"/>
+                <a:tab pos="1066800" algn="l"/>
+                <a:tab pos="1422400" algn="l"/>
+                <a:tab pos="1778000" algn="l"/>
+                <a:tab pos="2133600" algn="l"/>
+                <a:tab pos="2489200" algn="l"/>
+                <a:tab pos="2844800" algn="l"/>
+                <a:tab pos="3200400" algn="l"/>
+                <a:tab pos="3556000" algn="l"/>
+                <a:tab pos="3911600" algn="l"/>
+                <a:tab pos="4267200" algn="l"/>
+              </a:tabLst>
+            </a:pPr>
+            <a:r>
+              <a:rPr lang="en-US" sz="2400" dirty="0">
+                <a:solidFill>
+                  <a:srgbClr val="B42419"/>
+                </a:solidFill>
+                <a:latin typeface="Monaco"/>
+                <a:ea typeface="ＭＳ 明朝"/>
+                <a:cs typeface="Monaco"/>
+              </a:rPr>
+              <a:t>Out[3]: </a:t>
+            </a:r>
+            <a:r>
+              <a:rPr lang="en-US" sz="2400" dirty="0">
+                <a:solidFill>
+                  <a:srgbClr val="F2F2F2"/>
+                </a:solidFill>
+                <a:latin typeface="Monaco"/>
+                <a:ea typeface="ＭＳ 明朝"/>
+                <a:cs typeface="Monaco"/>
+              </a:rPr>
+              <a:t>True</a:t>
+            </a:r>
+            <a:endParaRPr lang="en-US" sz="3600" dirty="0">
+              <a:latin typeface="Cambria"/>
+              <a:ea typeface="ＭＳ 明朝"/>
+              <a:cs typeface="Times New Roman"/>
+            </a:endParaRPr>
+          </a:p>
+          <a:p>
+            <a:pPr marL="0" indent="0">
+              <a:spcAft>
+                <a:spcPts val="0"/>
+              </a:spcAft>
+              <a:buNone/>
+            </a:pPr>
+            <a:endParaRPr lang="en-US" sz="4400" dirty="0">
+              <a:latin typeface="Cambria"/>
+              <a:ea typeface="ＭＳ 明朝"/>
+              <a:cs typeface="Times New Roman"/>
+            </a:endParaRPr>
+          </a:p>
+          <a:p>
+            <a:pPr marL="0" indent="0">
+              <a:spcAft>
+                <a:spcPts val="0"/>
+              </a:spcAft>
+              <a:buNone/>
+            </a:pPr>
+            <a:endParaRPr lang="en-US" dirty="0"/>
+          </a:p>
+        </p:txBody>
+      </p:sp>
+    </p:spTree>
+    <p:extLst>
+      <p:ext uri="{BB962C8B-B14F-4D97-AF65-F5344CB8AC3E}">
+        <p14:creationId xmlns:p14="http://schemas.microsoft.com/office/powerpoint/2010/main" val="3956219008"/>
+      </p:ext>
+    </p:extLst>
+  </p:cSld>
+  <p:clrMapOvr>
+    <a:masterClrMapping/>
+  </p:clrMapOvr>
+  <p:timing>
+    <p:tnLst>
+      <p:par>
+        <p:cTn xmlns:p14="http://schemas.microsoft.com/office/powerpoint/2010/main" id="1" dur="indefinite" restart="never" nodeType="tmRoot"/>
+      </p:par>
+    </p:tnLst>
+  </p:timing>
+</p:sld>
+</file>
+
+<file path=ppt/slides/slide16.xml><?xml version="1.0" encoding="utf-8"?>
+<p:sld xmlns:a="http://schemas.openxmlformats.org/drawingml/2006/main" xmlns:r="http://schemas.openxmlformats.org/officeDocument/2006/relationships" xmlns:p="http://schemas.openxmlformats.org/presentationml/2006/main">
+  <p:cSld>
+    <p:spTree>
+      <p:nvGrpSpPr>
+        <p:cNvPr id="1" name=""/>
+        <p:cNvGrpSpPr/>
+        <p:nvPr/>
+      </p:nvGrpSpPr>
+      <p:grpSpPr>
+        <a:xfrm>
+          <a:off x="0" y="0"/>
+          <a:ext cx="0" cy="0"/>
+          <a:chOff x="0" y="0"/>
+          <a:chExt cx="0" cy="0"/>
+        </a:xfrm>
+      </p:grpSpPr>
+      <p:sp>
+        <p:nvSpPr>
+          <p:cNvPr id="2" name="Title 1"/>
+          <p:cNvSpPr>
+            <a:spLocks noGrp="1"/>
+          </p:cNvSpPr>
+          <p:nvPr>
             <p:ph type="ctrTitle"/>
           </p:nvPr>
         </p:nvSpPr>
@@ -5602,7 +6117,7 @@
 </p:sld>
 </file>
 
-<file path=ppt/slides/slide16.xml><?xml version="1.0" encoding="utf-8"?>
+<file path=ppt/slides/slide17.xml><?xml version="1.0" encoding="utf-8"?>
 <p:sld xmlns:a="http://schemas.openxmlformats.org/drawingml/2006/main" xmlns:r="http://schemas.openxmlformats.org/officeDocument/2006/relationships" xmlns:p="http://schemas.openxmlformats.org/presentationml/2006/main">
   <p:cSld>
     <p:spTree>
@@ -6209,7 +6724,7 @@
         <p:spPr>
           <a:xfrm>
             <a:off x="-1" y="0"/>
-            <a:ext cx="12302235" cy="5262979"/>
+            <a:ext cx="24369404" cy="4154983"/>
           </a:xfrm>
           <a:prstGeom prst="rect">
             <a:avLst/>
